--- a/final_project/final_present.pptx
+++ b/final_project/final_present.pptx
@@ -5,7 +5,7 @@
     <p:sldMasterId id="2147483840" r:id="rId1"/>
   </p:sldMasterIdLst>
   <p:notesMasterIdLst>
-    <p:notesMasterId r:id="rId12"/>
+    <p:notesMasterId r:id="rId13"/>
   </p:notesMasterIdLst>
   <p:sldIdLst>
     <p:sldId id="256" r:id="rId2"/>
@@ -18,6 +18,7 @@
     <p:sldId id="262" r:id="rId9"/>
     <p:sldId id="263" r:id="rId10"/>
     <p:sldId id="264" r:id="rId11"/>
+    <p:sldId id="266" r:id="rId12"/>
   </p:sldIdLst>
   <p:sldSz cx="12192000" cy="6858000"/>
   <p:notesSz cx="6858000" cy="9144000"/>
@@ -116,6 +117,11 @@
       </a:defRPr>
     </a:lvl9pPr>
   </p:defaultTextStyle>
+  <p:extLst>
+    <p:ext uri="{EFAFB233-063F-42B5-8137-9DF3F51BA10A}">
+      <p15:sldGuideLst xmlns:p15="http://schemas.microsoft.com/office/powerpoint/2012/main"/>
+    </p:ext>
+  </p:extLst>
 </p:presentation>
 </file>
 
@@ -3882,18 +3888,128 @@
   <p:clrMapOvr>
     <a:masterClrMapping/>
   </p:clrMapOvr>
-  <mc:AlternateContent xmlns:mc="http://schemas.openxmlformats.org/markup-compatibility/2006">
-    <mc:Choice xmlns:p14="http://schemas.microsoft.com/office/powerpoint/2010/main" Requires="p14">
+  <mc:AlternateContent xmlns:mc="http://schemas.openxmlformats.org/markup-compatibility/2006" xmlns:p14="http://schemas.microsoft.com/office/powerpoint/2010/main">
+    <mc:Choice Requires="p14">
       <p:transition spd="slow" p14:dur="1500">
         <p:split orient="vert"/>
       </p:transition>
     </mc:Choice>
-    <mc:Fallback>
+    <mc:Fallback xmlns="">
       <p:transition spd="slow">
         <p:split orient="vert"/>
       </p:transition>
     </mc:Fallback>
   </mc:AlternateContent>
+  <p:timing>
+    <p:tnLst>
+      <p:par>
+        <p:cTn id="1" dur="indefinite" restart="never" nodeType="tmRoot"/>
+      </p:par>
+    </p:tnLst>
+  </p:timing>
+</p:sld>
+</file>
+
+<file path=ppt/slides/slide11.xml><?xml version="1.0" encoding="utf-8"?>
+<p:sld xmlns:a="http://schemas.openxmlformats.org/drawingml/2006/main" xmlns:r="http://schemas.openxmlformats.org/officeDocument/2006/relationships" xmlns:p="http://schemas.openxmlformats.org/presentationml/2006/main">
+  <p:cSld>
+    <p:spTree>
+      <p:nvGrpSpPr>
+        <p:cNvPr id="1" name=""/>
+        <p:cNvGrpSpPr/>
+        <p:nvPr/>
+      </p:nvGrpSpPr>
+      <p:grpSpPr>
+        <a:xfrm>
+          <a:off x="0" y="0"/>
+          <a:ext cx="0" cy="0"/>
+          <a:chOff x="0" y="0"/>
+          <a:chExt cx="0" cy="0"/>
+        </a:xfrm>
+      </p:grpSpPr>
+      <p:sp>
+        <p:nvSpPr>
+          <p:cNvPr id="2" name="Title 1"/>
+          <p:cNvSpPr>
+            <a:spLocks noGrp="1"/>
+          </p:cNvSpPr>
+          <p:nvPr>
+            <p:ph type="ctrTitle"/>
+          </p:nvPr>
+        </p:nvSpPr>
+        <p:spPr/>
+        <p:txBody>
+          <a:bodyPr>
+            <a:normAutofit/>
+          </a:bodyPr>
+          <a:lstStyle/>
+          <a:p>
+            <a:r>
+              <a:rPr lang="en-US" sz="6000" dirty="0" smtClean="0"/>
+              <a:t>Thank  You !</a:t>
+            </a:r>
+            <a:br>
+              <a:rPr lang="en-US" sz="6000" dirty="0" smtClean="0"/>
+            </a:br>
+            <a:r>
+              <a:rPr lang="en-US" sz="6000" dirty="0" smtClean="0"/>
+              <a:t/>
+            </a:r>
+            <a:br>
+              <a:rPr lang="en-US" sz="6000" dirty="0" smtClean="0"/>
+            </a:br>
+            <a:r>
+              <a:rPr lang="en-US" sz="3200" dirty="0" smtClean="0"/>
+              <a:t>Lihua Pei (Neo)</a:t>
+            </a:r>
+            <a:endParaRPr lang="en-US" sz="3200" dirty="0"/>
+          </a:p>
+        </p:txBody>
+      </p:sp>
+      <p:sp>
+        <p:nvSpPr>
+          <p:cNvPr id="3" name="Subtitle 2"/>
+          <p:cNvSpPr>
+            <a:spLocks noGrp="1"/>
+          </p:cNvSpPr>
+          <p:nvPr>
+            <p:ph type="subTitle" idx="1"/>
+          </p:nvPr>
+        </p:nvSpPr>
+        <p:spPr/>
+        <p:txBody>
+          <a:bodyPr/>
+          <a:lstStyle/>
+          <a:p>
+            <a:r>
+              <a:rPr lang="en-US" dirty="0" smtClean="0"/>
+              <a:t>Analysis Donald Trump Twitters (@</a:t>
+            </a:r>
+            <a:r>
+              <a:rPr lang="en-US" dirty="0" err="1" smtClean="0"/>
+              <a:t>readDonaldTrump</a:t>
+            </a:r>
+            <a:r>
+              <a:rPr lang="en-US" dirty="0" smtClean="0"/>
+              <a:t>)</a:t>
+            </a:r>
+            <a:endParaRPr lang="en-US" dirty="0"/>
+          </a:p>
+        </p:txBody>
+      </p:sp>
+    </p:spTree>
+    <p:extLst>
+      <p:ext uri="{BB962C8B-B14F-4D97-AF65-F5344CB8AC3E}">
+        <p14:creationId xmlns:p14="http://schemas.microsoft.com/office/powerpoint/2010/main" val="1739616994"/>
+      </p:ext>
+    </p:extLst>
+  </p:cSld>
+  <p:clrMapOvr>
+    <a:masterClrMapping/>
+  </p:clrMapOvr>
+  <p:transition spd="slow">
+    <p:push dir="u"/>
+  </p:transition>
   <p:timing>
     <p:tnLst>
       <p:par>
@@ -4270,13 +4386,13 @@
   <p:clrMapOvr>
     <a:masterClrMapping/>
   </p:clrMapOvr>
-  <mc:AlternateContent xmlns:mc="http://schemas.openxmlformats.org/markup-compatibility/2006">
-    <mc:Choice xmlns:p14="http://schemas.microsoft.com/office/powerpoint/2010/main" Requires="p14">
+  <mc:AlternateContent xmlns:mc="http://schemas.openxmlformats.org/markup-compatibility/2006" xmlns:p14="http://schemas.microsoft.com/office/powerpoint/2010/main">
+    <mc:Choice Requires="p14">
       <p:transition spd="slow" p14:dur="3400">
         <p14:reveal/>
       </p:transition>
     </mc:Choice>
-    <mc:Fallback>
+    <mc:Fallback xmlns="">
       <p:transition spd="slow">
         <p:fade/>
       </p:transition>
@@ -4453,13 +4569,13 @@
   <p:clrMapOvr>
     <a:masterClrMapping/>
   </p:clrMapOvr>
-  <mc:AlternateContent xmlns:mc="http://schemas.openxmlformats.org/markup-compatibility/2006">
-    <mc:Choice xmlns:p14="http://schemas.microsoft.com/office/powerpoint/2010/main" Requires="p14">
+  <mc:AlternateContent xmlns:mc="http://schemas.openxmlformats.org/markup-compatibility/2006" xmlns:p14="http://schemas.microsoft.com/office/powerpoint/2010/main">
+    <mc:Choice Requires="p14">
       <p:transition spd="slow" p14:dur="1500">
         <p:split orient="vert"/>
       </p:transition>
     </mc:Choice>
-    <mc:Fallback>
+    <mc:Fallback xmlns="">
       <p:transition spd="slow">
         <p:split orient="vert"/>
       </p:transition>
@@ -4699,7 +4815,6 @@
               <a:rPr lang="en-US" dirty="0"/>
               <a:t> allocation is a generative statistical model that allows sets of observations to be explained by unobserved groups that explain why some parts of the data are similar. </a:t>
             </a:r>
-            <a:endParaRPr lang="en-US" dirty="0"/>
           </a:p>
         </p:txBody>
       </p:sp>
@@ -4805,13 +4920,13 @@
   <p:clrMapOvr>
     <a:masterClrMapping/>
   </p:clrMapOvr>
-  <mc:AlternateContent xmlns:mc="http://schemas.openxmlformats.org/markup-compatibility/2006">
-    <mc:Choice xmlns:p14="http://schemas.microsoft.com/office/powerpoint/2010/main" Requires="p14">
+  <mc:AlternateContent xmlns:mc="http://schemas.openxmlformats.org/markup-compatibility/2006" xmlns:p14="http://schemas.microsoft.com/office/powerpoint/2010/main">
+    <mc:Choice Requires="p14">
       <p:transition spd="slow" p14:dur="3400">
         <p14:reveal/>
       </p:transition>
     </mc:Choice>
-    <mc:Fallback>
+    <mc:Fallback xmlns="">
       <p:transition spd="slow">
         <p:fade/>
       </p:transition>
@@ -5105,13 +5220,13 @@
   <p:clrMapOvr>
     <a:masterClrMapping/>
   </p:clrMapOvr>
-  <mc:AlternateContent xmlns:mc="http://schemas.openxmlformats.org/markup-compatibility/2006">
-    <mc:Choice xmlns:p14="http://schemas.microsoft.com/office/powerpoint/2010/main" Requires="p14">
+  <mc:AlternateContent xmlns:mc="http://schemas.openxmlformats.org/markup-compatibility/2006" xmlns:p14="http://schemas.microsoft.com/office/powerpoint/2010/main">
+    <mc:Choice Requires="p14">
       <p:transition spd="slow" p14:dur="3400">
         <p14:reveal/>
       </p:transition>
     </mc:Choice>
-    <mc:Fallback>
+    <mc:Fallback xmlns="">
       <p:transition spd="slow">
         <p:fade/>
       </p:transition>

--- a/final_project/final_present.pptx
+++ b/final_project/final_present.pptx
@@ -3744,7 +3744,33 @@
               <a:rPr lang="en-US" dirty="0" smtClean="0"/>
               <a:t>Topic Modeling </a:t>
             </a:r>
-            <a:endParaRPr lang="en-US" dirty="0"/>
+            <a:r>
+              <a:rPr lang="en-US" smtClean="0"/>
+              <a:t/>
+            </a:r>
+            <a:br>
+              <a:rPr lang="en-US" smtClean="0"/>
+            </a:br>
+            <a:r>
+              <a:rPr lang="en-US" sz="3200" smtClean="0"/>
+              <a:t/>
+            </a:r>
+            <a:br>
+              <a:rPr lang="en-US" sz="3200" smtClean="0"/>
+            </a:br>
+            <a:r>
+              <a:rPr lang="en-US" sz="3200"/>
+              <a:t> Lihua </a:t>
+            </a:r>
+            <a:r>
+              <a:rPr lang="en-US" sz="3200"/>
+              <a:t>Pei </a:t>
+            </a:r>
+            <a:r>
+              <a:rPr lang="en-US" sz="3200" smtClean="0"/>
+              <a:t>(Neo)</a:t>
+            </a:r>
+            <a:endParaRPr lang="en-US" sz="3200" dirty="0"/>
           </a:p>
         </p:txBody>
       </p:sp>
